--- a/storage/default_images/template.pptx
+++ b/storage/default_images/template.pptx
@@ -104,6 +104,11 @@
       </a:defRPr>
     </a:lvl9pPr>
   </p:defaultTextStyle>
+  <p:extLst>
+    <p:ext uri="{EFAFB233-063F-42B5-8137-9DF3F51BA10A}">
+      <p15:sldGuideLst xmlns:p15="http://schemas.microsoft.com/office/powerpoint/2012/main"/>
+    </p:ext>
+  </p:extLst>
 </p:presentation>
 </file>
 
@@ -238,7 +243,7 @@
           <a:p>
             <a:fld id="{ABE9A5B3-1EB3-1140-8AD9-272F0A024380}" type="datetimeFigureOut">
               <a:rPr kumimoji="1" lang="ja-JP" altLang="en-US" smtClean="0"/>
-              <a:t>2020/2/16</a:t>
+              <a:t>2020/2/18</a:t>
             </a:fld>
             <a:endParaRPr kumimoji="1" lang="ja-JP" altLang="en-US"/>
           </a:p>
@@ -440,7 +445,7 @@
           <a:p>
             <a:fld id="{ABE9A5B3-1EB3-1140-8AD9-272F0A024380}" type="datetimeFigureOut">
               <a:rPr kumimoji="1" lang="ja-JP" altLang="en-US" smtClean="0"/>
-              <a:t>2020/2/16</a:t>
+              <a:t>2020/2/18</a:t>
             </a:fld>
             <a:endParaRPr kumimoji="1" lang="ja-JP" altLang="en-US"/>
           </a:p>
@@ -652,7 +657,7 @@
           <a:p>
             <a:fld id="{ABE9A5B3-1EB3-1140-8AD9-272F0A024380}" type="datetimeFigureOut">
               <a:rPr kumimoji="1" lang="ja-JP" altLang="en-US" smtClean="0"/>
-              <a:t>2020/2/16</a:t>
+              <a:t>2020/2/18</a:t>
             </a:fld>
             <a:endParaRPr kumimoji="1" lang="ja-JP" altLang="en-US"/>
           </a:p>
@@ -854,7 +859,7 @@
           <a:p>
             <a:fld id="{ABE9A5B3-1EB3-1140-8AD9-272F0A024380}" type="datetimeFigureOut">
               <a:rPr kumimoji="1" lang="ja-JP" altLang="en-US" smtClean="0"/>
-              <a:t>2020/2/16</a:t>
+              <a:t>2020/2/18</a:t>
             </a:fld>
             <a:endParaRPr kumimoji="1" lang="ja-JP" altLang="en-US"/>
           </a:p>
@@ -1098,7 +1103,7 @@
           <a:p>
             <a:fld id="{ABE9A5B3-1EB3-1140-8AD9-272F0A024380}" type="datetimeFigureOut">
               <a:rPr kumimoji="1" lang="ja-JP" altLang="en-US" smtClean="0"/>
-              <a:t>2020/2/16</a:t>
+              <a:t>2020/2/18</a:t>
             </a:fld>
             <a:endParaRPr kumimoji="1" lang="ja-JP" altLang="en-US"/>
           </a:p>
@@ -1394,7 +1399,7 @@
           <a:p>
             <a:fld id="{ABE9A5B3-1EB3-1140-8AD9-272F0A024380}" type="datetimeFigureOut">
               <a:rPr kumimoji="1" lang="ja-JP" altLang="en-US" smtClean="0"/>
-              <a:t>2020/2/16</a:t>
+              <a:t>2020/2/18</a:t>
             </a:fld>
             <a:endParaRPr kumimoji="1" lang="ja-JP" altLang="en-US"/>
           </a:p>
@@ -1825,7 +1830,7 @@
           <a:p>
             <a:fld id="{ABE9A5B3-1EB3-1140-8AD9-272F0A024380}" type="datetimeFigureOut">
               <a:rPr kumimoji="1" lang="ja-JP" altLang="en-US" smtClean="0"/>
-              <a:t>2020/2/16</a:t>
+              <a:t>2020/2/18</a:t>
             </a:fld>
             <a:endParaRPr kumimoji="1" lang="ja-JP" altLang="en-US"/>
           </a:p>
@@ -1943,7 +1948,7 @@
           <a:p>
             <a:fld id="{ABE9A5B3-1EB3-1140-8AD9-272F0A024380}" type="datetimeFigureOut">
               <a:rPr kumimoji="1" lang="ja-JP" altLang="en-US" smtClean="0"/>
-              <a:t>2020/2/16</a:t>
+              <a:t>2020/2/18</a:t>
             </a:fld>
             <a:endParaRPr kumimoji="1" lang="ja-JP" altLang="en-US"/>
           </a:p>
@@ -2038,7 +2043,7 @@
           <a:p>
             <a:fld id="{ABE9A5B3-1EB3-1140-8AD9-272F0A024380}" type="datetimeFigureOut">
               <a:rPr kumimoji="1" lang="ja-JP" altLang="en-US" smtClean="0"/>
-              <a:t>2020/2/16</a:t>
+              <a:t>2020/2/18</a:t>
             </a:fld>
             <a:endParaRPr kumimoji="1" lang="ja-JP" altLang="en-US"/>
           </a:p>
@@ -2347,7 +2352,7 @@
           <a:p>
             <a:fld id="{ABE9A5B3-1EB3-1140-8AD9-272F0A024380}" type="datetimeFigureOut">
               <a:rPr kumimoji="1" lang="ja-JP" altLang="en-US" smtClean="0"/>
-              <a:t>2020/2/16</a:t>
+              <a:t>2020/2/18</a:t>
             </a:fld>
             <a:endParaRPr kumimoji="1" lang="ja-JP" altLang="en-US"/>
           </a:p>
@@ -2604,7 +2609,7 @@
           <a:p>
             <a:fld id="{ABE9A5B3-1EB3-1140-8AD9-272F0A024380}" type="datetimeFigureOut">
               <a:rPr kumimoji="1" lang="ja-JP" altLang="en-US" smtClean="0"/>
-              <a:t>2020/2/16</a:t>
+              <a:t>2020/2/18</a:t>
             </a:fld>
             <a:endParaRPr kumimoji="1" lang="ja-JP" altLang="en-US"/>
           </a:p>
@@ -2849,7 +2854,7 @@
           <a:p>
             <a:fld id="{ABE9A5B3-1EB3-1140-8AD9-272F0A024380}" type="datetimeFigureOut">
               <a:rPr kumimoji="1" lang="ja-JP" altLang="en-US" smtClean="0"/>
-              <a:t>2020/2/16</a:t>
+              <a:t>2020/2/18</a:t>
             </a:fld>
             <a:endParaRPr kumimoji="1" lang="ja-JP" altLang="en-US"/>
           </a:p>
@@ -3275,7 +3280,7 @@
             <a:avLst/>
           </a:prstGeom>
           <a:noFill/>
-          <a:ln>
+          <a:ln w="19050">
             <a:solidFill>
               <a:schemeClr val="tx1"/>
             </a:solidFill>
@@ -3504,7 +3509,7 @@
         <p:spPr>
           <a:xfrm>
             <a:off x="3356517" y="2663587"/>
-            <a:ext cx="1561171" cy="369332"/>
+            <a:ext cx="1847079" cy="461665"/>
           </a:xfrm>
           <a:prstGeom prst="rect">
             <a:avLst/>
@@ -3518,14 +3523,14 @@
           <a:lstStyle/>
           <a:p>
             <a:r>
-              <a:rPr kumimoji="1" lang="ja-JP" altLang="en-US"/>
+              <a:rPr kumimoji="1" lang="ja-JP" altLang="en-US" sz="2400"/>
               <a:t>ユーザー</a:t>
             </a:r>
             <a:r>
-              <a:rPr kumimoji="1" lang="en-US" altLang="ja-JP" dirty="0"/>
+              <a:rPr kumimoji="1" lang="en-US" altLang="ja-JP" sz="2400" dirty="0"/>
               <a:t>ID</a:t>
             </a:r>
-            <a:endParaRPr kumimoji="1" lang="ja-JP" altLang="en-US"/>
+            <a:endParaRPr kumimoji="1" lang="ja-JP" altLang="en-US" sz="2400"/>
           </a:p>
         </p:txBody>
       </p:sp>
@@ -3566,6 +3571,58 @@
           </a:fontRef>
         </p:style>
       </p:cxnSp>
+      <p:sp>
+        <p:nvSpPr>
+          <p:cNvPr id="2" name="正方形/長方形 1">
+            <a:extLst>
+              <a:ext uri="{FF2B5EF4-FFF2-40B4-BE49-F238E27FC236}">
+                <a16:creationId xmlns:a16="http://schemas.microsoft.com/office/drawing/2014/main" id="{146F932C-FD9D-7F45-96D6-B0C84287C61E}"/>
+              </a:ext>
+            </a:extLst>
+          </p:cNvPr>
+          <p:cNvSpPr/>
+          <p:nvPr/>
+        </p:nvSpPr>
+        <p:spPr>
+          <a:xfrm>
+            <a:off x="-11151" y="-10956"/>
+            <a:ext cx="9155151" cy="6076794"/>
+          </a:xfrm>
+          <a:prstGeom prst="rect">
+            <a:avLst/>
+          </a:prstGeom>
+          <a:noFill/>
+          <a:ln w="19050">
+            <a:solidFill>
+              <a:schemeClr val="tx1"/>
+            </a:solidFill>
+          </a:ln>
+        </p:spPr>
+        <p:style>
+          <a:lnRef idx="2">
+            <a:schemeClr val="accent1">
+              <a:shade val="50000"/>
+            </a:schemeClr>
+          </a:lnRef>
+          <a:fillRef idx="1">
+            <a:schemeClr val="accent1"/>
+          </a:fillRef>
+          <a:effectRef idx="0">
+            <a:schemeClr val="accent1"/>
+          </a:effectRef>
+          <a:fontRef idx="minor">
+            <a:schemeClr val="lt1"/>
+          </a:fontRef>
+        </p:style>
+        <p:txBody>
+          <a:bodyPr rtlCol="0" anchor="ctr"/>
+          <a:lstStyle/>
+          <a:p>
+            <a:pPr algn="ctr"/>
+            <a:endParaRPr kumimoji="1" lang="ja-JP" altLang="en-US"/>
+          </a:p>
+        </p:txBody>
+      </p:sp>
     </p:spTree>
     <p:extLst>
       <p:ext uri="{BB962C8B-B14F-4D97-AF65-F5344CB8AC3E}">
